--- a/Day 8/Slides/3. Finding Parts of a Page/3-jquery-getting-started-m3-slides.pptx
+++ b/Day 8/Slides/3. Finding Parts of a Page/3-jquery-getting-started-m3-slides.pptx
@@ -5,27 +5,27 @@
     <p:sldMasterId id="2147483648" r:id="rId1"/>
   </p:sldMasterIdLst>
   <p:notesMasterIdLst>
-    <p:notesMasterId r:id="rId4"/>
+    <p:notesMasterId r:id="rId20"/>
   </p:notesMasterIdLst>
   <p:sldIdLst>
-    <p:sldId id="256" r:id="rId3"/>
-    <p:sldId id="257" r:id="rId5"/>
-    <p:sldId id="258" r:id="rId6"/>
-    <p:sldId id="259" r:id="rId7"/>
-    <p:sldId id="260" r:id="rId8"/>
-    <p:sldId id="261" r:id="rId9"/>
-    <p:sldId id="262" r:id="rId10"/>
-    <p:sldId id="263" r:id="rId11"/>
-    <p:sldId id="265" r:id="rId12"/>
-    <p:sldId id="266" r:id="rId13"/>
-    <p:sldId id="267" r:id="rId14"/>
-    <p:sldId id="268" r:id="rId15"/>
-    <p:sldId id="269" r:id="rId16"/>
-    <p:sldId id="270" r:id="rId17"/>
-    <p:sldId id="271" r:id="rId18"/>
-    <p:sldId id="272" r:id="rId19"/>
-    <p:sldId id="273" r:id="rId20"/>
-    <p:sldId id="274" r:id="rId21"/>
+    <p:sldId id="256" r:id="rId2"/>
+    <p:sldId id="257" r:id="rId3"/>
+    <p:sldId id="258" r:id="rId4"/>
+    <p:sldId id="259" r:id="rId5"/>
+    <p:sldId id="260" r:id="rId6"/>
+    <p:sldId id="261" r:id="rId7"/>
+    <p:sldId id="262" r:id="rId8"/>
+    <p:sldId id="263" r:id="rId9"/>
+    <p:sldId id="265" r:id="rId10"/>
+    <p:sldId id="266" r:id="rId11"/>
+    <p:sldId id="267" r:id="rId12"/>
+    <p:sldId id="268" r:id="rId13"/>
+    <p:sldId id="269" r:id="rId14"/>
+    <p:sldId id="270" r:id="rId15"/>
+    <p:sldId id="271" r:id="rId16"/>
+    <p:sldId id="272" r:id="rId17"/>
+    <p:sldId id="273" r:id="rId18"/>
+    <p:sldId id="274" r:id="rId19"/>
   </p:sldIdLst>
   <p:sldSz cx="12192000" cy="6858000"/>
   <p:notesSz cx="12192000" cy="6858000"/>
@@ -121,6 +121,22 @@
       </a:defRPr>
     </a:lvl9pPr>
   </p:defaultTextStyle>
+  <p:extLst>
+    <p:ext uri="{EFAFB233-063F-42B5-8137-9DF3F51BA10A}">
+      <p15:sldGuideLst xmlns:p15="http://schemas.microsoft.com/office/powerpoint/2012/main">
+        <p15:guide id="1" orient="horz" pos="2880">
+          <p15:clr>
+            <a:srgbClr val="A4A3A4"/>
+          </p15:clr>
+        </p15:guide>
+        <p15:guide id="2" pos="2143">
+          <p15:clr>
+            <a:srgbClr val="A4A3A4"/>
+          </p15:clr>
+        </p15:guide>
+      </p15:sldGuideLst>
+    </p:ext>
+  </p:extLst>
 </p:presentation>
 </file>
 
@@ -206,6 +222,7 @@
           <a:p>
             <a:fld id="{3EFD42F7-718C-4B98-AAEC-167E6DDD60A7}" type="datetimeFigureOut">
               <a:rPr lang="en-US" smtClean="0"/>
+              <a:t>8/16/2023</a:t>
             </a:fld>
             <a:endParaRPr lang="en-US"/>
           </a:p>
@@ -269,42 +286,37 @@
           <a:p>
             <a:pPr lvl="0"/>
             <a:r>
-              <a:rPr lang="en-US" smtClean="0"/>
+              <a:rPr lang="en-US"/>
               <a:t>Click to edit Master text styles</a:t>
             </a:r>
-            <a:endParaRPr lang="en-US" smtClean="0"/>
           </a:p>
           <a:p>
             <a:pPr lvl="1"/>
             <a:r>
-              <a:rPr lang="en-US" smtClean="0"/>
+              <a:rPr lang="en-US"/>
               <a:t>Second level</a:t>
             </a:r>
-            <a:endParaRPr lang="en-US" smtClean="0"/>
           </a:p>
           <a:p>
             <a:pPr lvl="2"/>
             <a:r>
-              <a:rPr lang="en-US" smtClean="0"/>
+              <a:rPr lang="en-US"/>
               <a:t>Third level</a:t>
             </a:r>
-            <a:endParaRPr lang="en-US" smtClean="0"/>
           </a:p>
           <a:p>
             <a:pPr lvl="3"/>
             <a:r>
-              <a:rPr lang="en-US" smtClean="0"/>
+              <a:rPr lang="en-US"/>
               <a:t>Fourth level</a:t>
             </a:r>
-            <a:endParaRPr lang="en-US" smtClean="0"/>
           </a:p>
           <a:p>
             <a:pPr lvl="4"/>
             <a:r>
-              <a:rPr lang="en-US" smtClean="0"/>
+              <a:rPr lang="en-US"/>
               <a:t>Fifth level</a:t>
             </a:r>
-            <a:endParaRPr lang="en-US"/>
           </a:p>
         </p:txBody>
       </p:sp>
@@ -368,6 +380,7 @@
           <a:p>
             <a:fld id="{21B2AA4F-B828-4D7C-AFD3-893933DAFCB4}" type="slidenum">
               <a:rPr lang="en-US" smtClean="0"/>
+              <a:t>‹#›</a:t>
             </a:fld>
             <a:endParaRPr lang="en-US"/>
           </a:p>
@@ -476,7 +489,7 @@
   <p:cSld>
     <p:spTree>
       <p:nvGrpSpPr>
-        <p:cNvPr id="2" name=""/>
+        <p:cNvPr id="1" name=""/>
         <p:cNvGrpSpPr/>
         <p:nvPr/>
       </p:nvGrpSpPr>
@@ -490,7 +503,7 @@
       </p:grpSpPr>
       <p:sp>
         <p:nvSpPr>
-          <p:cNvPr id="1" name="Notes Placeholder"/>
+          <p:cNvPr id="2" name="Notes Placeholder"/>
           <p:cNvSpPr>
             <a:spLocks noGrp="1"/>
           </p:cNvSpPr>
@@ -504,7 +517,9 @@
             <a:normAutofit/>
           </a:bodyPr>
           <a:lstStyle/>
-          <a:p/>
+          <a:p>
+            <a:endParaRPr/>
+          </a:p>
         </p:txBody>
       </p:sp>
     </p:spTree>
@@ -520,7 +535,7 @@
   <p:cSld>
     <p:spTree>
       <p:nvGrpSpPr>
-        <p:cNvPr id="2" name=""/>
+        <p:cNvPr id="1" name=""/>
         <p:cNvGrpSpPr/>
         <p:nvPr/>
       </p:nvGrpSpPr>
@@ -534,7 +549,7 @@
       </p:grpSpPr>
       <p:sp>
         <p:nvSpPr>
-          <p:cNvPr id="1" name="Notes Placeholder"/>
+          <p:cNvPr id="2" name="Notes Placeholder"/>
           <p:cNvSpPr>
             <a:spLocks noGrp="1"/>
           </p:cNvSpPr>
@@ -548,7 +563,9 @@
             <a:normAutofit/>
           </a:bodyPr>
           <a:lstStyle/>
-          <a:p/>
+          <a:p>
+            <a:endParaRPr/>
+          </a:p>
         </p:txBody>
       </p:sp>
     </p:spTree>
@@ -564,7 +581,7 @@
   <p:cSld>
     <p:spTree>
       <p:nvGrpSpPr>
-        <p:cNvPr id="2" name=""/>
+        <p:cNvPr id="1" name=""/>
         <p:cNvGrpSpPr/>
         <p:nvPr/>
       </p:nvGrpSpPr>
@@ -578,7 +595,7 @@
       </p:grpSpPr>
       <p:sp>
         <p:nvSpPr>
-          <p:cNvPr id="1" name="Notes Placeholder"/>
+          <p:cNvPr id="2" name="Notes Placeholder"/>
           <p:cNvSpPr>
             <a:spLocks noGrp="1"/>
           </p:cNvSpPr>
@@ -592,7 +609,9 @@
             <a:normAutofit/>
           </a:bodyPr>
           <a:lstStyle/>
-          <a:p/>
+          <a:p>
+            <a:endParaRPr/>
+          </a:p>
         </p:txBody>
       </p:sp>
     </p:spTree>
@@ -608,7 +627,7 @@
   <p:cSld>
     <p:spTree>
       <p:nvGrpSpPr>
-        <p:cNvPr id="2" name=""/>
+        <p:cNvPr id="1" name=""/>
         <p:cNvGrpSpPr/>
         <p:nvPr/>
       </p:nvGrpSpPr>
@@ -622,7 +641,7 @@
       </p:grpSpPr>
       <p:sp>
         <p:nvSpPr>
-          <p:cNvPr id="1" name="Notes Placeholder"/>
+          <p:cNvPr id="2" name="Notes Placeholder"/>
           <p:cNvSpPr>
             <a:spLocks noGrp="1"/>
           </p:cNvSpPr>
@@ -636,7 +655,9 @@
             <a:normAutofit/>
           </a:bodyPr>
           <a:lstStyle/>
-          <a:p/>
+          <a:p>
+            <a:endParaRPr/>
+          </a:p>
         </p:txBody>
       </p:sp>
     </p:spTree>
@@ -652,7 +673,7 @@
   <p:cSld>
     <p:spTree>
       <p:nvGrpSpPr>
-        <p:cNvPr id="2" name=""/>
+        <p:cNvPr id="1" name=""/>
         <p:cNvGrpSpPr/>
         <p:nvPr/>
       </p:nvGrpSpPr>
@@ -666,7 +687,7 @@
       </p:grpSpPr>
       <p:sp>
         <p:nvSpPr>
-          <p:cNvPr id="1" name="Notes Placeholder"/>
+          <p:cNvPr id="2" name="Notes Placeholder"/>
           <p:cNvSpPr>
             <a:spLocks noGrp="1"/>
           </p:cNvSpPr>
@@ -680,7 +701,9 @@
             <a:normAutofit/>
           </a:bodyPr>
           <a:lstStyle/>
-          <a:p/>
+          <a:p>
+            <a:endParaRPr/>
+          </a:p>
         </p:txBody>
       </p:sp>
     </p:spTree>
@@ -696,7 +719,7 @@
   <p:cSld>
     <p:spTree>
       <p:nvGrpSpPr>
-        <p:cNvPr id="2" name=""/>
+        <p:cNvPr id="1" name=""/>
         <p:cNvGrpSpPr/>
         <p:nvPr/>
       </p:nvGrpSpPr>
@@ -710,7 +733,7 @@
       </p:grpSpPr>
       <p:sp>
         <p:nvSpPr>
-          <p:cNvPr id="1" name="Notes Placeholder"/>
+          <p:cNvPr id="2" name="Notes Placeholder"/>
           <p:cNvSpPr>
             <a:spLocks noGrp="1"/>
           </p:cNvSpPr>
@@ -724,7 +747,9 @@
             <a:normAutofit/>
           </a:bodyPr>
           <a:lstStyle/>
-          <a:p/>
+          <a:p>
+            <a:endParaRPr/>
+          </a:p>
         </p:txBody>
       </p:sp>
     </p:spTree>
@@ -740,7 +765,7 @@
   <p:cSld>
     <p:spTree>
       <p:nvGrpSpPr>
-        <p:cNvPr id="2" name=""/>
+        <p:cNvPr id="1" name=""/>
         <p:cNvGrpSpPr/>
         <p:nvPr/>
       </p:nvGrpSpPr>
@@ -754,7 +779,7 @@
       </p:grpSpPr>
       <p:sp>
         <p:nvSpPr>
-          <p:cNvPr id="1" name="Notes Placeholder"/>
+          <p:cNvPr id="2" name="Notes Placeholder"/>
           <p:cNvSpPr>
             <a:spLocks noGrp="1"/>
           </p:cNvSpPr>
@@ -768,7 +793,9 @@
             <a:normAutofit/>
           </a:bodyPr>
           <a:lstStyle/>
-          <a:p/>
+          <a:p>
+            <a:endParaRPr/>
+          </a:p>
         </p:txBody>
       </p:sp>
     </p:spTree>
@@ -784,7 +811,7 @@
   <p:cSld>
     <p:spTree>
       <p:nvGrpSpPr>
-        <p:cNvPr id="2" name=""/>
+        <p:cNvPr id="1" name=""/>
         <p:cNvGrpSpPr/>
         <p:nvPr/>
       </p:nvGrpSpPr>
@@ -798,7 +825,7 @@
       </p:grpSpPr>
       <p:sp>
         <p:nvSpPr>
-          <p:cNvPr id="1" name="Notes Placeholder"/>
+          <p:cNvPr id="2" name="Notes Placeholder"/>
           <p:cNvSpPr>
             <a:spLocks noGrp="1"/>
           </p:cNvSpPr>
@@ -812,7 +839,9 @@
             <a:normAutofit/>
           </a:bodyPr>
           <a:lstStyle/>
-          <a:p/>
+          <a:p>
+            <a:endParaRPr/>
+          </a:p>
         </p:txBody>
       </p:sp>
     </p:spTree>
@@ -828,7 +857,7 @@
   <p:cSld>
     <p:spTree>
       <p:nvGrpSpPr>
-        <p:cNvPr id="2" name=""/>
+        <p:cNvPr id="1" name=""/>
         <p:cNvGrpSpPr/>
         <p:nvPr/>
       </p:nvGrpSpPr>
@@ -842,7 +871,7 @@
       </p:grpSpPr>
       <p:sp>
         <p:nvSpPr>
-          <p:cNvPr id="1" name="Notes Placeholder"/>
+          <p:cNvPr id="2" name="Notes Placeholder"/>
           <p:cNvSpPr>
             <a:spLocks noGrp="1"/>
           </p:cNvSpPr>
@@ -856,7 +885,9 @@
             <a:normAutofit/>
           </a:bodyPr>
           <a:lstStyle/>
-          <a:p/>
+          <a:p>
+            <a:endParaRPr/>
+          </a:p>
         </p:txBody>
       </p:sp>
     </p:spTree>
@@ -872,7 +903,7 @@
   <p:cSld>
     <p:spTree>
       <p:nvGrpSpPr>
-        <p:cNvPr id="2" name=""/>
+        <p:cNvPr id="1" name=""/>
         <p:cNvGrpSpPr/>
         <p:nvPr/>
       </p:nvGrpSpPr>
@@ -886,7 +917,7 @@
       </p:grpSpPr>
       <p:sp>
         <p:nvSpPr>
-          <p:cNvPr id="1" name="Notes Placeholder"/>
+          <p:cNvPr id="2" name="Notes Placeholder"/>
           <p:cNvSpPr>
             <a:spLocks noGrp="1"/>
           </p:cNvSpPr>
@@ -900,7 +931,9 @@
             <a:normAutofit/>
           </a:bodyPr>
           <a:lstStyle/>
-          <a:p/>
+          <a:p>
+            <a:endParaRPr/>
+          </a:p>
         </p:txBody>
       </p:sp>
     </p:spTree>
@@ -916,7 +949,7 @@
   <p:cSld>
     <p:spTree>
       <p:nvGrpSpPr>
-        <p:cNvPr id="2" name=""/>
+        <p:cNvPr id="1" name=""/>
         <p:cNvGrpSpPr/>
         <p:nvPr/>
       </p:nvGrpSpPr>
@@ -930,7 +963,7 @@
       </p:grpSpPr>
       <p:sp>
         <p:nvSpPr>
-          <p:cNvPr id="1" name="Notes Placeholder"/>
+          <p:cNvPr id="2" name="Notes Placeholder"/>
           <p:cNvSpPr>
             <a:spLocks noGrp="1"/>
           </p:cNvSpPr>
@@ -944,7 +977,9 @@
             <a:normAutofit/>
           </a:bodyPr>
           <a:lstStyle/>
-          <a:p/>
+          <a:p>
+            <a:endParaRPr/>
+          </a:p>
         </p:txBody>
       </p:sp>
     </p:spTree>
@@ -960,7 +995,7 @@
   <p:cSld>
     <p:spTree>
       <p:nvGrpSpPr>
-        <p:cNvPr id="2" name=""/>
+        <p:cNvPr id="1" name=""/>
         <p:cNvGrpSpPr/>
         <p:nvPr/>
       </p:nvGrpSpPr>
@@ -974,7 +1009,7 @@
       </p:grpSpPr>
       <p:sp>
         <p:nvSpPr>
-          <p:cNvPr id="1" name="Notes Placeholder"/>
+          <p:cNvPr id="2" name="Notes Placeholder"/>
           <p:cNvSpPr>
             <a:spLocks noGrp="1"/>
           </p:cNvSpPr>
@@ -988,7 +1023,9 @@
             <a:normAutofit/>
           </a:bodyPr>
           <a:lstStyle/>
-          <a:p/>
+          <a:p>
+            <a:endParaRPr/>
+          </a:p>
         </p:txBody>
       </p:sp>
     </p:spTree>
@@ -1004,7 +1041,7 @@
   <p:cSld>
     <p:spTree>
       <p:nvGrpSpPr>
-        <p:cNvPr id="2" name=""/>
+        <p:cNvPr id="1" name=""/>
         <p:cNvGrpSpPr/>
         <p:nvPr/>
       </p:nvGrpSpPr>
@@ -1018,7 +1055,7 @@
       </p:grpSpPr>
       <p:sp>
         <p:nvSpPr>
-          <p:cNvPr id="1" name="Notes Placeholder"/>
+          <p:cNvPr id="2" name="Notes Placeholder"/>
           <p:cNvSpPr>
             <a:spLocks noGrp="1"/>
           </p:cNvSpPr>
@@ -1032,7 +1069,9 @@
             <a:normAutofit/>
           </a:bodyPr>
           <a:lstStyle/>
-          <a:p/>
+          <a:p>
+            <a:endParaRPr/>
+          </a:p>
         </p:txBody>
       </p:sp>
     </p:spTree>
@@ -1048,7 +1087,7 @@
   <p:cSld>
     <p:spTree>
       <p:nvGrpSpPr>
-        <p:cNvPr id="2" name=""/>
+        <p:cNvPr id="1" name=""/>
         <p:cNvGrpSpPr/>
         <p:nvPr/>
       </p:nvGrpSpPr>
@@ -1062,7 +1101,7 @@
       </p:grpSpPr>
       <p:sp>
         <p:nvSpPr>
-          <p:cNvPr id="1" name="Notes Placeholder"/>
+          <p:cNvPr id="2" name="Notes Placeholder"/>
           <p:cNvSpPr>
             <a:spLocks noGrp="1"/>
           </p:cNvSpPr>
@@ -1076,7 +1115,9 @@
             <a:normAutofit/>
           </a:bodyPr>
           <a:lstStyle/>
-          <a:p/>
+          <a:p>
+            <a:endParaRPr/>
+          </a:p>
         </p:txBody>
       </p:sp>
     </p:spTree>
@@ -1092,7 +1133,7 @@
   <p:cSld>
     <p:spTree>
       <p:nvGrpSpPr>
-        <p:cNvPr id="2" name=""/>
+        <p:cNvPr id="1" name=""/>
         <p:cNvGrpSpPr/>
         <p:nvPr/>
       </p:nvGrpSpPr>
@@ -1106,7 +1147,7 @@
       </p:grpSpPr>
       <p:sp>
         <p:nvSpPr>
-          <p:cNvPr id="1" name="Notes Placeholder"/>
+          <p:cNvPr id="2" name="Notes Placeholder"/>
           <p:cNvSpPr>
             <a:spLocks noGrp="1"/>
           </p:cNvSpPr>
@@ -1120,7 +1161,9 @@
             <a:normAutofit/>
           </a:bodyPr>
           <a:lstStyle/>
-          <a:p/>
+          <a:p>
+            <a:endParaRPr/>
+          </a:p>
         </p:txBody>
       </p:sp>
     </p:spTree>
@@ -1136,7 +1179,7 @@
   <p:cSld>
     <p:spTree>
       <p:nvGrpSpPr>
-        <p:cNvPr id="2" name=""/>
+        <p:cNvPr id="1" name=""/>
         <p:cNvGrpSpPr/>
         <p:nvPr/>
       </p:nvGrpSpPr>
@@ -1150,7 +1193,7 @@
       </p:grpSpPr>
       <p:sp>
         <p:nvSpPr>
-          <p:cNvPr id="1" name="Notes Placeholder"/>
+          <p:cNvPr id="2" name="Notes Placeholder"/>
           <p:cNvSpPr>
             <a:spLocks noGrp="1"/>
           </p:cNvSpPr>
@@ -1164,7 +1207,9 @@
             <a:normAutofit/>
           </a:bodyPr>
           <a:lstStyle/>
-          <a:p/>
+          <a:p>
+            <a:endParaRPr/>
+          </a:p>
         </p:txBody>
       </p:sp>
     </p:spTree>
@@ -1180,7 +1225,7 @@
   <p:cSld>
     <p:spTree>
       <p:nvGrpSpPr>
-        <p:cNvPr id="2" name=""/>
+        <p:cNvPr id="1" name=""/>
         <p:cNvGrpSpPr/>
         <p:nvPr/>
       </p:nvGrpSpPr>
@@ -1194,7 +1239,7 @@
       </p:grpSpPr>
       <p:sp>
         <p:nvSpPr>
-          <p:cNvPr id="1" name="Notes Placeholder"/>
+          <p:cNvPr id="2" name="Notes Placeholder"/>
           <p:cNvSpPr>
             <a:spLocks noGrp="1"/>
           </p:cNvSpPr>
@@ -1208,7 +1253,9 @@
             <a:normAutofit/>
           </a:bodyPr>
           <a:lstStyle/>
-          <a:p/>
+          <a:p>
+            <a:endParaRPr/>
+          </a:p>
         </p:txBody>
       </p:sp>
     </p:spTree>
@@ -1224,7 +1271,7 @@
   <p:cSld>
     <p:spTree>
       <p:nvGrpSpPr>
-        <p:cNvPr id="2" name=""/>
+        <p:cNvPr id="1" name=""/>
         <p:cNvGrpSpPr/>
         <p:nvPr/>
       </p:nvGrpSpPr>
@@ -1238,7 +1285,7 @@
       </p:grpSpPr>
       <p:sp>
         <p:nvSpPr>
-          <p:cNvPr id="1" name="Notes Placeholder"/>
+          <p:cNvPr id="2" name="Notes Placeholder"/>
           <p:cNvSpPr>
             <a:spLocks noGrp="1"/>
           </p:cNvSpPr>
@@ -1252,7 +1299,9 @@
             <a:normAutofit/>
           </a:bodyPr>
           <a:lstStyle/>
-          <a:p/>
+          <a:p>
+            <a:endParaRPr/>
+          </a:p>
         </p:txBody>
       </p:sp>
     </p:spTree>
@@ -1308,7 +1357,9 @@
               <a:defRPr/>
             </a:lvl1pPr>
           </a:lstStyle>
-          <a:p/>
+          <a:p>
+            <a:endParaRPr/>
+          </a:p>
         </p:txBody>
       </p:sp>
       <p:sp>
@@ -1339,7 +1390,9 @@
               <a:defRPr/>
             </a:lvl1pPr>
           </a:lstStyle>
-          <a:p/>
+          <a:p>
+            <a:endParaRPr/>
+          </a:p>
         </p:txBody>
       </p:sp>
       <p:sp>
@@ -1366,7 +1419,9 @@
               </a:defRPr>
             </a:lvl1pPr>
           </a:lstStyle>
-          <a:p/>
+          <a:p>
+            <a:endParaRPr/>
+          </a:p>
         </p:txBody>
       </p:sp>
       <p:sp>
@@ -1396,6 +1451,7 @@
           <a:p>
             <a:fld id="{1D8BD707-D9CF-40AE-B4C6-C98DA3205C09}" type="datetimeFigureOut">
               <a:rPr lang="en-US"/>
+              <a:t>8/16/2023</a:t>
             </a:fld>
             <a:endParaRPr lang="en-US"/>
           </a:p>
@@ -1428,6 +1484,7 @@
           <a:p>
             <a:fld id="{B6F15528-21DE-4FAA-801E-634DDDAF4B2B}" type="slidenum">
               <a:rPr/>
+              <a:t>‹#›</a:t>
             </a:fld>
             <a:endParaRPr/>
           </a:p>
@@ -1483,7 +1540,9 @@
               </a:defRPr>
             </a:lvl1pPr>
           </a:lstStyle>
-          <a:p/>
+          <a:p>
+            <a:endParaRPr/>
+          </a:p>
         </p:txBody>
       </p:sp>
       <p:sp>
@@ -1510,7 +1569,9 @@
               </a:defRPr>
             </a:lvl1pPr>
           </a:lstStyle>
-          <a:p/>
+          <a:p>
+            <a:endParaRPr/>
+          </a:p>
         </p:txBody>
       </p:sp>
       <p:sp>
@@ -1537,7 +1598,9 @@
               </a:defRPr>
             </a:lvl1pPr>
           </a:lstStyle>
-          <a:p/>
+          <a:p>
+            <a:endParaRPr/>
+          </a:p>
         </p:txBody>
       </p:sp>
       <p:sp>
@@ -1567,6 +1630,7 @@
           <a:p>
             <a:fld id="{1D8BD707-D9CF-40AE-B4C6-C98DA3205C09}" type="datetimeFigureOut">
               <a:rPr lang="en-US"/>
+              <a:t>8/16/2023</a:t>
             </a:fld>
             <a:endParaRPr lang="en-US"/>
           </a:p>
@@ -1599,6 +1663,7 @@
           <a:p>
             <a:fld id="{B6F15528-21DE-4FAA-801E-634DDDAF4B2B}" type="slidenum">
               <a:rPr/>
+              <a:t>‹#›</a:t>
             </a:fld>
             <a:endParaRPr/>
           </a:p>
@@ -1654,7 +1719,9 @@
               </a:defRPr>
             </a:lvl1pPr>
           </a:lstStyle>
-          <a:p/>
+          <a:p>
+            <a:endParaRPr/>
+          </a:p>
         </p:txBody>
       </p:sp>
       <p:sp>
@@ -1685,7 +1752,9 @@
               <a:defRPr/>
             </a:lvl1pPr>
           </a:lstStyle>
-          <a:p/>
+          <a:p>
+            <a:endParaRPr/>
+          </a:p>
         </p:txBody>
       </p:sp>
       <p:sp>
@@ -1716,7 +1785,9 @@
               <a:defRPr/>
             </a:lvl1pPr>
           </a:lstStyle>
-          <a:p/>
+          <a:p>
+            <a:endParaRPr/>
+          </a:p>
         </p:txBody>
       </p:sp>
       <p:sp>
@@ -1743,7 +1814,9 @@
               </a:defRPr>
             </a:lvl1pPr>
           </a:lstStyle>
-          <a:p/>
+          <a:p>
+            <a:endParaRPr/>
+          </a:p>
         </p:txBody>
       </p:sp>
       <p:sp>
@@ -1773,6 +1846,7 @@
           <a:p>
             <a:fld id="{1D8BD707-D9CF-40AE-B4C6-C98DA3205C09}" type="datetimeFigureOut">
               <a:rPr lang="en-US"/>
+              <a:t>8/16/2023</a:t>
             </a:fld>
             <a:endParaRPr lang="en-US"/>
           </a:p>
@@ -1805,6 +1879,7 @@
           <a:p>
             <a:fld id="{B6F15528-21DE-4FAA-801E-634DDDAF4B2B}" type="slidenum">
               <a:rPr/>
+              <a:t>‹#›</a:t>
             </a:fld>
             <a:endParaRPr/>
           </a:p>
@@ -1820,7 +1895,7 @@
 </file>
 
 <file path=ppt/slideLayouts/slideLayout4.xml><?xml version="1.0" encoding="utf-8"?>
-<p:sldLayout xmlns:a="http://schemas.openxmlformats.org/drawingml/2006/main" xmlns:r="http://schemas.openxmlformats.org/officeDocument/2006/relationships" xmlns:p="http://schemas.openxmlformats.org/presentationml/2006/main" type="obj" preserve="1" showMasterSp="0">
+<p:sldLayout xmlns:a="http://schemas.openxmlformats.org/drawingml/2006/main" xmlns:r="http://schemas.openxmlformats.org/officeDocument/2006/relationships" xmlns:p="http://schemas.openxmlformats.org/presentationml/2006/main" showMasterSp="0" type="obj" preserve="1">
   <p:cSld name="Title Only">
     <p:bg>
       <p:bgPr>
@@ -2236,7 +2311,9 @@
         <p:txBody>
           <a:bodyPr wrap="square" lIns="0" tIns="0" rIns="0" bIns="0" rtlCol="0"/>
           <a:lstStyle/>
-          <a:p/>
+          <a:p>
+            <a:endParaRPr/>
+          </a:p>
         </p:txBody>
       </p:sp>
       <p:sp>
@@ -2440,7 +2517,9 @@
         <p:txBody>
           <a:bodyPr wrap="square" lIns="0" tIns="0" rIns="0" bIns="0" rtlCol="0"/>
           <a:lstStyle/>
-          <a:p/>
+          <a:p>
+            <a:endParaRPr/>
+          </a:p>
         </p:txBody>
       </p:sp>
       <p:sp>
@@ -2467,7 +2546,9 @@
               </a:defRPr>
             </a:lvl1pPr>
           </a:lstStyle>
-          <a:p/>
+          <a:p>
+            <a:endParaRPr/>
+          </a:p>
         </p:txBody>
       </p:sp>
       <p:sp>
@@ -2494,7 +2575,9 @@
               </a:defRPr>
             </a:lvl1pPr>
           </a:lstStyle>
-          <a:p/>
+          <a:p>
+            <a:endParaRPr/>
+          </a:p>
         </p:txBody>
       </p:sp>
       <p:sp>
@@ -2524,6 +2607,7 @@
           <a:p>
             <a:fld id="{1D8BD707-D9CF-40AE-B4C6-C98DA3205C09}" type="datetimeFigureOut">
               <a:rPr lang="en-US"/>
+              <a:t>8/16/2023</a:t>
             </a:fld>
             <a:endParaRPr lang="en-US"/>
           </a:p>
@@ -2556,6 +2640,7 @@
           <a:p>
             <a:fld id="{B6F15528-21DE-4FAA-801E-634DDDAF4B2B}" type="slidenum">
               <a:rPr/>
+              <a:t>‹#›</a:t>
             </a:fld>
             <a:endParaRPr/>
           </a:p>
@@ -2571,7 +2656,7 @@
 </file>
 
 <file path=ppt/slideLayouts/slideLayout5.xml><?xml version="1.0" encoding="utf-8"?>
-<p:sldLayout xmlns:a="http://schemas.openxmlformats.org/drawingml/2006/main" xmlns:r="http://schemas.openxmlformats.org/officeDocument/2006/relationships" xmlns:p="http://schemas.openxmlformats.org/presentationml/2006/main" type="obj" preserve="1" showMasterSp="0">
+<p:sldLayout xmlns:a="http://schemas.openxmlformats.org/drawingml/2006/main" xmlns:r="http://schemas.openxmlformats.org/officeDocument/2006/relationships" xmlns:p="http://schemas.openxmlformats.org/presentationml/2006/main" showMasterSp="0" type="obj" preserve="1">
   <p:cSld name="Blank">
     <p:bg>
       <p:bgPr>
@@ -2663,7 +2748,9 @@
         <p:txBody>
           <a:bodyPr wrap="square" lIns="0" tIns="0" rIns="0" bIns="0" rtlCol="0"/>
           <a:lstStyle/>
-          <a:p/>
+          <a:p>
+            <a:endParaRPr/>
+          </a:p>
         </p:txBody>
       </p:sp>
       <p:sp>
@@ -2690,7 +2777,9 @@
               </a:defRPr>
             </a:lvl1pPr>
           </a:lstStyle>
-          <a:p/>
+          <a:p>
+            <a:endParaRPr/>
+          </a:p>
         </p:txBody>
       </p:sp>
       <p:sp>
@@ -2720,6 +2809,7 @@
           <a:p>
             <a:fld id="{1D8BD707-D9CF-40AE-B4C6-C98DA3205C09}" type="datetimeFigureOut">
               <a:rPr lang="en-US"/>
+              <a:t>8/16/2023</a:t>
             </a:fld>
             <a:endParaRPr lang="en-US"/>
           </a:p>
@@ -2752,6 +2842,7 @@
           <a:p>
             <a:fld id="{B6F15528-21DE-4FAA-801E-634DDDAF4B2B}" type="slidenum">
               <a:rPr/>
+              <a:t>‹#›</a:t>
             </a:fld>
             <a:endParaRPr/>
           </a:p>
@@ -2825,7 +2916,9 @@
               </a:defRPr>
             </a:lvl1pPr>
           </a:lstStyle>
-          <a:p/>
+          <a:p>
+            <a:endParaRPr/>
+          </a:p>
         </p:txBody>
       </p:sp>
       <p:sp>
@@ -2862,7 +2955,9 @@
               </a:defRPr>
             </a:lvl1pPr>
           </a:lstStyle>
-          <a:p/>
+          <a:p>
+            <a:endParaRPr/>
+          </a:p>
         </p:txBody>
       </p:sp>
       <p:sp>
@@ -2899,7 +2994,9 @@
               </a:defRPr>
             </a:lvl1pPr>
           </a:lstStyle>
-          <a:p/>
+          <a:p>
+            <a:endParaRPr/>
+          </a:p>
         </p:txBody>
       </p:sp>
       <p:sp>
@@ -2939,6 +3036,7 @@
           <a:p>
             <a:fld id="{1D8BD707-D9CF-40AE-B4C6-C98DA3205C09}" type="datetimeFigureOut">
               <a:rPr lang="en-US"/>
+              <a:t>8/16/2023</a:t>
             </a:fld>
             <a:endParaRPr lang="en-US"/>
           </a:p>
@@ -2981,6 +3079,7 @@
           <a:p>
             <a:fld id="{B6F15528-21DE-4FAA-801E-634DDDAF4B2B}" type="slidenum">
               <a:rPr/>
+              <a:t>‹#›</a:t>
             </a:fld>
             <a:endParaRPr/>
           </a:p>
@@ -3195,7 +3294,9 @@
         <p:txBody>
           <a:bodyPr wrap="square" lIns="0" tIns="0" rIns="0" bIns="0" rtlCol="0"/>
           <a:lstStyle/>
-          <a:p/>
+          <a:p>
+            <a:endParaRPr/>
+          </a:p>
         </p:txBody>
       </p:sp>
       <p:sp>
@@ -3392,9 +3493,11 @@
         <p:spPr/>
         <p:txBody>
           <a:bodyPr/>
+          <a:lstStyle/>
           <a:p>
             <a:fld id="{B6F15528-21DE-4FAA-801E-634DDDAF4B2B}" type="slidenum">
               <a:rPr/>
+              <a:t>1</a:t>
             </a:fld>
             <a:endParaRPr/>
           </a:p>
@@ -3461,7 +3564,6 @@
               <a:rPr spc="45" dirty="0"/>
               <a:t>Demo</a:t>
             </a:r>
-            <a:endParaRPr spc="45" dirty="0"/>
           </a:p>
           <a:p>
             <a:pPr marL="351155" algn="ctr">
@@ -3580,9 +3682,11 @@
         <p:spPr/>
         <p:txBody>
           <a:bodyPr/>
+          <a:lstStyle/>
           <a:p>
             <a:fld id="{B6F15528-21DE-4FAA-801E-634DDDAF4B2B}" type="slidenum">
               <a:rPr/>
+              <a:t>10</a:t>
             </a:fld>
             <a:endParaRPr/>
           </a:p>
@@ -3657,7 +3761,6 @@
               <a:rPr spc="45" dirty="0"/>
               <a:t>mo</a:t>
             </a:r>
-            <a:endParaRPr spc="45" dirty="0"/>
           </a:p>
           <a:p>
             <a:pPr marL="379095">
@@ -3755,9 +3858,11 @@
         <p:spPr/>
         <p:txBody>
           <a:bodyPr/>
+          <a:lstStyle/>
           <a:p>
             <a:fld id="{B6F15528-21DE-4FAA-801E-634DDDAF4B2B}" type="slidenum">
               <a:rPr/>
+              <a:t>11</a:t>
             </a:fld>
             <a:endParaRPr/>
           </a:p>
@@ -3832,7 +3937,6 @@
               <a:rPr spc="45" dirty="0"/>
               <a:t>mo</a:t>
             </a:r>
-            <a:endParaRPr spc="45" dirty="0"/>
           </a:p>
           <a:p>
             <a:pPr marL="436880">
@@ -3944,9 +4048,11 @@
         <p:spPr/>
         <p:txBody>
           <a:bodyPr/>
+          <a:lstStyle/>
           <a:p>
             <a:fld id="{B6F15528-21DE-4FAA-801E-634DDDAF4B2B}" type="slidenum">
               <a:rPr/>
+              <a:t>12</a:t>
             </a:fld>
             <a:endParaRPr/>
           </a:p>
@@ -4013,7 +4119,6 @@
               <a:rPr spc="45" dirty="0"/>
               <a:t>Demo</a:t>
             </a:r>
-            <a:endParaRPr spc="45" dirty="0"/>
           </a:p>
           <a:p>
             <a:pPr marL="351155" algn="ctr">
@@ -4048,9 +4153,11 @@
         <p:spPr/>
         <p:txBody>
           <a:bodyPr/>
+          <a:lstStyle/>
           <a:p>
             <a:fld id="{B6F15528-21DE-4FAA-801E-634DDDAF4B2B}" type="slidenum">
               <a:rPr/>
+              <a:t>13</a:t>
             </a:fld>
             <a:endParaRPr/>
           </a:p>
@@ -4117,7 +4224,6 @@
               <a:rPr spc="45" dirty="0"/>
               <a:t>Demo</a:t>
             </a:r>
-            <a:endParaRPr spc="45" dirty="0"/>
           </a:p>
           <a:p>
             <a:pPr marL="351155" algn="ctr">
@@ -4152,9 +4258,11 @@
         <p:spPr/>
         <p:txBody>
           <a:bodyPr/>
+          <a:lstStyle/>
           <a:p>
             <a:fld id="{B6F15528-21DE-4FAA-801E-634DDDAF4B2B}" type="slidenum">
               <a:rPr/>
+              <a:t>14</a:t>
             </a:fld>
             <a:endParaRPr/>
           </a:p>
@@ -4195,7 +4303,7 @@
           <p:nvPr/>
         </p:nvPicPr>
         <p:blipFill>
-          <a:blip r:embed="rId1" cstate="print"/>
+          <a:blip r:embed="rId3" cstate="print"/>
           <a:srcRect b="6243"/>
           <a:stretch>
             <a:fillRect/>
@@ -4248,7 +4356,9 @@
         <p:txBody>
           <a:bodyPr wrap="square" lIns="0" tIns="0" rIns="0" bIns="0" rtlCol="0"/>
           <a:lstStyle/>
-          <a:p/>
+          <a:p>
+            <a:endParaRPr/>
+          </a:p>
         </p:txBody>
       </p:sp>
       <p:sp>
@@ -4288,7 +4398,9 @@
         <p:txBody>
           <a:bodyPr wrap="square" lIns="0" tIns="0" rIns="0" bIns="0" rtlCol="0"/>
           <a:lstStyle/>
-          <a:p/>
+          <a:p>
+            <a:endParaRPr/>
+          </a:p>
         </p:txBody>
       </p:sp>
       <p:sp>
@@ -4349,9 +4461,11 @@
         <p:spPr/>
         <p:txBody>
           <a:bodyPr/>
+          <a:lstStyle/>
           <a:p>
             <a:fld id="{B6F15528-21DE-4FAA-801E-634DDDAF4B2B}" type="slidenum">
               <a:rPr/>
+              <a:t>15</a:t>
             </a:fld>
             <a:endParaRPr/>
           </a:p>
@@ -4392,7 +4506,7 @@
           <p:nvPr/>
         </p:nvPicPr>
         <p:blipFill>
-          <a:blip r:embed="rId1" cstate="print"/>
+          <a:blip r:embed="rId3" cstate="print"/>
           <a:srcRect b="8468"/>
           <a:stretch>
             <a:fillRect/>
@@ -4445,7 +4559,9 @@
         <p:txBody>
           <a:bodyPr wrap="square" lIns="0" tIns="0" rIns="0" bIns="0" rtlCol="0"/>
           <a:lstStyle/>
-          <a:p/>
+          <a:p>
+            <a:endParaRPr/>
+          </a:p>
         </p:txBody>
       </p:sp>
       <p:sp>
@@ -4620,7 +4736,7 @@
           <p:nvPr/>
         </p:nvPicPr>
         <p:blipFill>
-          <a:blip r:embed="rId2" cstate="print"/>
+          <a:blip r:embed="rId4" cstate="print"/>
           <a:stretch>
             <a:fillRect/>
           </a:stretch>
@@ -4648,9 +4764,11 @@
         <p:spPr/>
         <p:txBody>
           <a:bodyPr/>
+          <a:lstStyle/>
           <a:p>
             <a:fld id="{B6F15528-21DE-4FAA-801E-634DDDAF4B2B}" type="slidenum">
               <a:rPr/>
+              <a:t>16</a:t>
             </a:fld>
             <a:endParaRPr/>
           </a:p>
@@ -4691,7 +4809,7 @@
           <p:nvPr/>
         </p:nvPicPr>
         <p:blipFill>
-          <a:blip r:embed="rId1" cstate="print"/>
+          <a:blip r:embed="rId3" cstate="print"/>
           <a:srcRect b="6457"/>
           <a:stretch>
             <a:fillRect/>
@@ -4744,7 +4862,9 @@
         <p:txBody>
           <a:bodyPr wrap="square" lIns="0" tIns="0" rIns="0" bIns="0" rtlCol="0"/>
           <a:lstStyle/>
-          <a:p/>
+          <a:p>
+            <a:endParaRPr/>
+          </a:p>
         </p:txBody>
       </p:sp>
       <p:sp>
@@ -4959,7 +5079,7 @@
           <p:nvPr/>
         </p:nvPicPr>
         <p:blipFill>
-          <a:blip r:embed="rId2" cstate="print"/>
+          <a:blip r:embed="rId4" cstate="print"/>
           <a:stretch>
             <a:fillRect/>
           </a:stretch>
@@ -4987,9 +5107,11 @@
         <p:spPr/>
         <p:txBody>
           <a:bodyPr/>
+          <a:lstStyle/>
           <a:p>
             <a:fld id="{B6F15528-21DE-4FAA-801E-634DDDAF4B2B}" type="slidenum">
               <a:rPr/>
+              <a:t>17</a:t>
             </a:fld>
             <a:endParaRPr/>
           </a:p>
@@ -5030,7 +5152,7 @@
           <p:nvPr/>
         </p:nvPicPr>
         <p:blipFill>
-          <a:blip r:embed="rId1" cstate="print"/>
+          <a:blip r:embed="rId3" cstate="print"/>
           <a:srcRect b="6457"/>
           <a:stretch>
             <a:fillRect/>
@@ -5083,7 +5205,9 @@
         <p:txBody>
           <a:bodyPr wrap="square" lIns="0" tIns="0" rIns="0" bIns="0" rtlCol="0"/>
           <a:lstStyle/>
-          <a:p/>
+          <a:p>
+            <a:endParaRPr/>
+          </a:p>
         </p:txBody>
       </p:sp>
       <p:sp>
@@ -5450,7 +5574,7 @@
           <p:nvPr/>
         </p:nvPicPr>
         <p:blipFill>
-          <a:blip r:embed="rId2" cstate="print"/>
+          <a:blip r:embed="rId4" cstate="print"/>
           <a:stretch>
             <a:fillRect/>
           </a:stretch>
@@ -5478,9 +5602,11 @@
         <p:spPr/>
         <p:txBody>
           <a:bodyPr/>
+          <a:lstStyle/>
           <a:p>
             <a:fld id="{B6F15528-21DE-4FAA-801E-634DDDAF4B2B}" type="slidenum">
               <a:rPr/>
+              <a:t>18</a:t>
             </a:fld>
             <a:endParaRPr/>
           </a:p>
@@ -5535,7 +5661,7 @@
             <p:nvPr/>
           </p:nvPicPr>
           <p:blipFill>
-            <a:blip r:embed="rId1" cstate="print"/>
+            <a:blip r:embed="rId3" cstate="print"/>
             <a:srcRect b="6444"/>
             <a:stretch>
               <a:fillRect/>
@@ -5598,7 +5724,9 @@
           <p:txBody>
             <a:bodyPr wrap="square" lIns="0" tIns="0" rIns="0" bIns="0" rtlCol="0"/>
             <a:lstStyle/>
-            <a:p/>
+            <a:p>
+              <a:endParaRPr/>
+            </a:p>
           </p:txBody>
         </p:sp>
       </p:grpSp>
@@ -5615,9 +5743,11 @@
         <p:spPr/>
         <p:txBody>
           <a:bodyPr/>
+          <a:lstStyle/>
           <a:p>
             <a:fld id="{B6F15528-21DE-4FAA-801E-634DDDAF4B2B}" type="slidenum">
               <a:rPr/>
+              <a:t>2</a:t>
             </a:fld>
             <a:endParaRPr/>
           </a:p>
@@ -5867,7 +5997,9 @@
           <p:txBody>
             <a:bodyPr wrap="square" lIns="0" tIns="0" rIns="0" bIns="0" rtlCol="0"/>
             <a:lstStyle/>
-            <a:p/>
+            <a:p>
+              <a:endParaRPr/>
+            </a:p>
           </p:txBody>
         </p:sp>
         <p:sp>
@@ -6041,7 +6173,9 @@
           <p:txBody>
             <a:bodyPr wrap="square" lIns="0" tIns="0" rIns="0" bIns="0" rtlCol="0"/>
             <a:lstStyle/>
-            <a:p/>
+            <a:p>
+              <a:endParaRPr/>
+            </a:p>
           </p:txBody>
         </p:sp>
       </p:grpSp>
@@ -6123,17 +6257,7 @@
                 <a:latin typeface="Consolas" panose="020B0609020204030204"/>
                 <a:cs typeface="Consolas" panose="020B0609020204030204"/>
               </a:rPr>
-              <a:t>y  </a:t>
-            </a:r>
-            <a:r>
-              <a:rPr sz="2400" dirty="0">
-                <a:solidFill>
-                  <a:srgbClr val="FFFFFF"/>
-                </a:solidFill>
-                <a:latin typeface="Consolas" panose="020B0609020204030204"/>
-                <a:cs typeface="Consolas" panose="020B0609020204030204"/>
-              </a:rPr>
-              <a:t>div</a:t>
+              <a:t>y  div</a:t>
             </a:r>
             <a:endParaRPr sz="2400">
               <a:latin typeface="Consolas" panose="020B0609020204030204"/>
@@ -6195,17 +6319,7 @@
                 <a:latin typeface="Consolas" panose="020B0609020204030204"/>
                 <a:cs typeface="Consolas" panose="020B0609020204030204"/>
               </a:rPr>
-              <a:t>div  </a:t>
-            </a:r>
-            <a:r>
-              <a:rPr sz="2400" dirty="0">
-                <a:solidFill>
-                  <a:srgbClr val="FFFFFF"/>
-                </a:solidFill>
-                <a:latin typeface="Consolas" panose="020B0609020204030204"/>
-                <a:cs typeface="Consolas" panose="020B0609020204030204"/>
-              </a:rPr>
-              <a:t>a </a:t>
+              <a:t>div  a </a:t>
             </a:r>
             <a:r>
               <a:rPr sz="2400" spc="5" dirty="0">
@@ -6247,9 +6361,11 @@
         <p:spPr/>
         <p:txBody>
           <a:bodyPr/>
+          <a:lstStyle/>
           <a:p>
             <a:fld id="{B6F15528-21DE-4FAA-801E-634DDDAF4B2B}" type="slidenum">
               <a:rPr/>
+              <a:t>3</a:t>
             </a:fld>
             <a:endParaRPr/>
           </a:p>
@@ -6320,7 +6436,6 @@
               <a:rPr spc="45" dirty="0"/>
               <a:t>Demo</a:t>
             </a:r>
-            <a:endParaRPr spc="45" dirty="0"/>
           </a:p>
           <a:p>
             <a:pPr marL="12700">
@@ -6446,9 +6561,11 @@
         <p:spPr/>
         <p:txBody>
           <a:bodyPr/>
+          <a:lstStyle/>
           <a:p>
             <a:fld id="{B6F15528-21DE-4FAA-801E-634DDDAF4B2B}" type="slidenum">
               <a:rPr/>
+              <a:t>4</a:t>
             </a:fld>
             <a:endParaRPr/>
           </a:p>
@@ -6489,7 +6606,7 @@
           <p:nvPr/>
         </p:nvPicPr>
         <p:blipFill>
-          <a:blip r:embed="rId1" cstate="print"/>
+          <a:blip r:embed="rId3" cstate="print"/>
           <a:srcRect b="6243"/>
           <a:stretch>
             <a:fillRect/>
@@ -6542,7 +6659,9 @@
         <p:txBody>
           <a:bodyPr wrap="square" lIns="0" tIns="0" rIns="0" bIns="0" rtlCol="0"/>
           <a:lstStyle/>
-          <a:p/>
+          <a:p>
+            <a:endParaRPr/>
+          </a:p>
         </p:txBody>
       </p:sp>
       <p:sp>
@@ -6582,7 +6701,9 @@
         <p:txBody>
           <a:bodyPr wrap="square" lIns="0" tIns="0" rIns="0" bIns="0" rtlCol="0"/>
           <a:lstStyle/>
-          <a:p/>
+          <a:p>
+            <a:endParaRPr/>
+          </a:p>
         </p:txBody>
       </p:sp>
       <p:sp>
@@ -6707,9 +6828,11 @@
         <p:spPr/>
         <p:txBody>
           <a:bodyPr/>
+          <a:lstStyle/>
           <a:p>
             <a:fld id="{B6F15528-21DE-4FAA-801E-634DDDAF4B2B}" type="slidenum">
               <a:rPr/>
+              <a:t>5</a:t>
             </a:fld>
             <a:endParaRPr/>
           </a:p>
@@ -6811,7 +6934,9 @@
           <p:txBody>
             <a:bodyPr wrap="square" lIns="0" tIns="0" rIns="0" bIns="0" rtlCol="0"/>
             <a:lstStyle/>
-            <a:p/>
+            <a:p>
+              <a:endParaRPr/>
+            </a:p>
           </p:txBody>
         </p:sp>
         <p:sp>
@@ -6870,7 +6995,9 @@
           <p:txBody>
             <a:bodyPr wrap="square" lIns="0" tIns="0" rIns="0" bIns="0" rtlCol="0"/>
             <a:lstStyle/>
-            <a:p/>
+            <a:p>
+              <a:endParaRPr/>
+            </a:p>
           </p:txBody>
         </p:sp>
       </p:grpSp>
@@ -6881,7 +7008,7 @@
           <p:nvPr/>
         </p:nvPicPr>
         <p:blipFill>
-          <a:blip r:embed="rId1" cstate="print"/>
+          <a:blip r:embed="rId3" cstate="print"/>
           <a:stretch>
             <a:fillRect/>
           </a:stretch>
@@ -8255,9 +8382,11 @@
         <p:spPr/>
         <p:txBody>
           <a:bodyPr/>
+          <a:lstStyle/>
           <a:p>
             <a:fld id="{B6F15528-21DE-4FAA-801E-634DDDAF4B2B}" type="slidenum">
               <a:rPr/>
+              <a:t>6</a:t>
             </a:fld>
             <a:endParaRPr/>
           </a:p>
@@ -8359,7 +8488,9 @@
           <p:txBody>
             <a:bodyPr wrap="square" lIns="0" tIns="0" rIns="0" bIns="0" rtlCol="0"/>
             <a:lstStyle/>
-            <a:p/>
+            <a:p>
+              <a:endParaRPr/>
+            </a:p>
           </p:txBody>
         </p:sp>
         <p:sp>
@@ -8418,7 +8549,9 @@
           <p:txBody>
             <a:bodyPr wrap="square" lIns="0" tIns="0" rIns="0" bIns="0" rtlCol="0"/>
             <a:lstStyle/>
-            <a:p/>
+            <a:p>
+              <a:endParaRPr/>
+            </a:p>
           </p:txBody>
         </p:sp>
       </p:grpSp>
@@ -8429,7 +8562,7 @@
           <p:nvPr/>
         </p:nvPicPr>
         <p:blipFill>
-          <a:blip r:embed="rId1" cstate="print"/>
+          <a:blip r:embed="rId3" cstate="print"/>
           <a:stretch>
             <a:fillRect/>
           </a:stretch>
@@ -9686,9 +9819,289 @@
                 <a:latin typeface="Trebuchet MS" panose="020B0603020202020204"/>
                 <a:cs typeface="Trebuchet MS" panose="020B0603020202020204"/>
               </a:rPr>
+              <a:t>ed</a:t>
+            </a:r>
+            <a:r>
+              <a:rPr sz="2400" spc="-195" dirty="0">
+                <a:solidFill>
+                  <a:srgbClr val="818285"/>
+                </a:solidFill>
+                <a:latin typeface="Trebuchet MS" panose="020B0603020202020204"/>
+                <a:cs typeface="Trebuchet MS" panose="020B0603020202020204"/>
+              </a:rPr>
+              <a:t> </a:t>
+            </a:r>
+            <a:r>
+              <a:rPr sz="2400" spc="-110" dirty="0">
+                <a:solidFill>
+                  <a:srgbClr val="818285"/>
+                </a:solidFill>
+                <a:latin typeface="Trebuchet MS" panose="020B0603020202020204"/>
+                <a:cs typeface="Trebuchet MS" panose="020B0603020202020204"/>
+              </a:rPr>
+              <a:t>a</a:t>
+            </a:r>
+            <a:r>
+              <a:rPr sz="2400" spc="20" dirty="0">
+                <a:solidFill>
+                  <a:srgbClr val="818285"/>
+                </a:solidFill>
+                <a:latin typeface="Trebuchet MS" panose="020B0603020202020204"/>
+                <a:cs typeface="Trebuchet MS" panose="020B0603020202020204"/>
+              </a:rPr>
+              <a:t>n</a:t>
+            </a:r>
+            <a:r>
+              <a:rPr sz="2400" spc="15" dirty="0">
+                <a:solidFill>
+                  <a:srgbClr val="818285"/>
+                </a:solidFill>
+                <a:latin typeface="Trebuchet MS" panose="020B0603020202020204"/>
+                <a:cs typeface="Trebuchet MS" panose="020B0603020202020204"/>
+              </a:rPr>
+              <a:t>d</a:t>
+            </a:r>
+            <a:r>
+              <a:rPr sz="2400" spc="-195" dirty="0">
+                <a:solidFill>
+                  <a:srgbClr val="818285"/>
+                </a:solidFill>
+                <a:latin typeface="Trebuchet MS" panose="020B0603020202020204"/>
+                <a:cs typeface="Trebuchet MS" panose="020B0603020202020204"/>
+              </a:rPr>
+              <a:t> </a:t>
+            </a:r>
+            <a:r>
+              <a:rPr sz="2400" spc="20" dirty="0">
+                <a:solidFill>
+                  <a:srgbClr val="818285"/>
+                </a:solidFill>
+                <a:latin typeface="Trebuchet MS" panose="020B0603020202020204"/>
+                <a:cs typeface="Trebuchet MS" panose="020B0603020202020204"/>
+              </a:rPr>
+              <a:t>h</a:t>
+            </a:r>
+            <a:r>
+              <a:rPr sz="2400" spc="-135" dirty="0">
+                <a:solidFill>
+                  <a:srgbClr val="818285"/>
+                </a:solidFill>
+                <a:latin typeface="Trebuchet MS" panose="020B0603020202020204"/>
+                <a:cs typeface="Trebuchet MS" panose="020B0603020202020204"/>
+              </a:rPr>
+              <a:t>a</a:t>
+            </a:r>
+            <a:r>
+              <a:rPr sz="2400" spc="-55" dirty="0">
+                <a:solidFill>
+                  <a:srgbClr val="818285"/>
+                </a:solidFill>
+                <a:latin typeface="Trebuchet MS" panose="020B0603020202020204"/>
+                <a:cs typeface="Trebuchet MS" panose="020B0603020202020204"/>
+              </a:rPr>
+              <a:t>v</a:t>
+            </a:r>
+            <a:r>
+              <a:rPr sz="2400" spc="-110" dirty="0">
+                <a:solidFill>
+                  <a:srgbClr val="818285"/>
+                </a:solidFill>
+                <a:latin typeface="Trebuchet MS" panose="020B0603020202020204"/>
+                <a:cs typeface="Trebuchet MS" panose="020B0603020202020204"/>
+              </a:rPr>
               <a:t>e</a:t>
             </a:r>
             <a:r>
+              <a:rPr sz="2400" spc="-200" dirty="0">
+                <a:solidFill>
+                  <a:srgbClr val="818285"/>
+                </a:solidFill>
+                <a:latin typeface="Trebuchet MS" panose="020B0603020202020204"/>
+                <a:cs typeface="Trebuchet MS" panose="020B0603020202020204"/>
+              </a:rPr>
+              <a:t> </a:t>
+            </a:r>
+            <a:r>
+              <a:rPr sz="2400" spc="5" dirty="0">
+                <a:solidFill>
+                  <a:srgbClr val="818285"/>
+                </a:solidFill>
+                <a:latin typeface="Trebuchet MS" panose="020B0603020202020204"/>
+                <a:cs typeface="Trebuchet MS" panose="020B0603020202020204"/>
+              </a:rPr>
+              <a:t>m</a:t>
+            </a:r>
+            <a:r>
+              <a:rPr sz="2400" spc="-120" dirty="0">
+                <a:solidFill>
+                  <a:srgbClr val="818285"/>
+                </a:solidFill>
+                <a:latin typeface="Trebuchet MS" panose="020B0603020202020204"/>
+                <a:cs typeface="Trebuchet MS" panose="020B0603020202020204"/>
+              </a:rPr>
+              <a:t>ult</a:t>
+            </a:r>
+            <a:r>
+              <a:rPr sz="2400" spc="-80" dirty="0">
+                <a:solidFill>
+                  <a:srgbClr val="818285"/>
+                </a:solidFill>
+                <a:latin typeface="Trebuchet MS" panose="020B0603020202020204"/>
+                <a:cs typeface="Trebuchet MS" panose="020B0603020202020204"/>
+              </a:rPr>
+              <a:t>i</a:t>
+            </a:r>
+            <a:r>
+              <a:rPr sz="2400" spc="25" dirty="0">
+                <a:solidFill>
+                  <a:srgbClr val="818285"/>
+                </a:solidFill>
+                <a:latin typeface="Trebuchet MS" panose="020B0603020202020204"/>
+                <a:cs typeface="Trebuchet MS" panose="020B0603020202020204"/>
+              </a:rPr>
+              <a:t>p</a:t>
+            </a:r>
+            <a:r>
+              <a:rPr sz="2400" spc="-95" dirty="0">
+                <a:solidFill>
+                  <a:srgbClr val="818285"/>
+                </a:solidFill>
+                <a:latin typeface="Trebuchet MS" panose="020B0603020202020204"/>
+                <a:cs typeface="Trebuchet MS" panose="020B0603020202020204"/>
+              </a:rPr>
+              <a:t>l</a:t>
+            </a:r>
+            <a:r>
+              <a:rPr sz="2400" spc="-165" dirty="0">
+                <a:solidFill>
+                  <a:srgbClr val="818285"/>
+                </a:solidFill>
+                <a:latin typeface="Trebuchet MS" panose="020B0603020202020204"/>
+                <a:cs typeface="Trebuchet MS" panose="020B0603020202020204"/>
+              </a:rPr>
+              <a:t>e</a:t>
+            </a:r>
+            <a:r>
+              <a:rPr sz="2400" spc="-210" dirty="0">
+                <a:solidFill>
+                  <a:srgbClr val="818285"/>
+                </a:solidFill>
+                <a:latin typeface="Trebuchet MS" panose="020B0603020202020204"/>
+                <a:cs typeface="Trebuchet MS" panose="020B0603020202020204"/>
+              </a:rPr>
+              <a:t> </a:t>
+            </a:r>
+            <a:r>
+              <a:rPr sz="2400" spc="-5" dirty="0">
+                <a:solidFill>
+                  <a:srgbClr val="818285"/>
+                </a:solidFill>
+                <a:latin typeface="Trebuchet MS" panose="020B0603020202020204"/>
+                <a:cs typeface="Trebuchet MS" panose="020B0603020202020204"/>
+              </a:rPr>
+              <a:t>s</a:t>
+            </a:r>
+            <a:r>
+              <a:rPr sz="2400" dirty="0">
+                <a:solidFill>
+                  <a:srgbClr val="818285"/>
+                </a:solidFill>
+                <a:latin typeface="Trebuchet MS" panose="020B0603020202020204"/>
+                <a:cs typeface="Trebuchet MS" panose="020B0603020202020204"/>
+              </a:rPr>
+              <a:t>p</a:t>
+            </a:r>
+            <a:r>
+              <a:rPr sz="2400" spc="-110" dirty="0">
+                <a:solidFill>
+                  <a:srgbClr val="818285"/>
+                </a:solidFill>
+                <a:latin typeface="Trebuchet MS" panose="020B0603020202020204"/>
+                <a:cs typeface="Trebuchet MS" panose="020B0603020202020204"/>
+              </a:rPr>
+              <a:t>a</a:t>
+            </a:r>
+            <a:r>
+              <a:rPr sz="2400" spc="-125" dirty="0">
+                <a:solidFill>
+                  <a:srgbClr val="818285"/>
+                </a:solidFill>
+                <a:latin typeface="Trebuchet MS" panose="020B0603020202020204"/>
+                <a:cs typeface="Trebuchet MS" panose="020B0603020202020204"/>
+              </a:rPr>
+              <a:t>c</a:t>
+            </a:r>
+            <a:r>
+              <a:rPr sz="2400" spc="-45" dirty="0">
+                <a:solidFill>
+                  <a:srgbClr val="818285"/>
+                </a:solidFill>
+                <a:latin typeface="Trebuchet MS" panose="020B0603020202020204"/>
+                <a:cs typeface="Trebuchet MS" panose="020B0603020202020204"/>
+              </a:rPr>
+              <a:t>e</a:t>
+            </a:r>
+            <a:r>
+              <a:rPr sz="2400" spc="-150" dirty="0">
+                <a:solidFill>
+                  <a:srgbClr val="818285"/>
+                </a:solidFill>
+                <a:latin typeface="Trebuchet MS" panose="020B0603020202020204"/>
+                <a:cs typeface="Trebuchet MS" panose="020B0603020202020204"/>
+              </a:rPr>
+              <a:t>-</a:t>
+            </a:r>
+            <a:r>
+              <a:rPr sz="2400" spc="-40" dirty="0">
+                <a:solidFill>
+                  <a:srgbClr val="818285"/>
+                </a:solidFill>
+                <a:latin typeface="Trebuchet MS" panose="020B0603020202020204"/>
+                <a:cs typeface="Trebuchet MS" panose="020B0603020202020204"/>
+              </a:rPr>
+              <a:t>sep</a:t>
+            </a:r>
+            <a:r>
+              <a:rPr sz="2400" spc="-110" dirty="0">
+                <a:solidFill>
+                  <a:srgbClr val="818285"/>
+                </a:solidFill>
+                <a:latin typeface="Trebuchet MS" panose="020B0603020202020204"/>
+                <a:cs typeface="Trebuchet MS" panose="020B0603020202020204"/>
+              </a:rPr>
+              <a:t>a</a:t>
+            </a:r>
+            <a:r>
+              <a:rPr sz="2400" spc="-170" dirty="0">
+                <a:solidFill>
+                  <a:srgbClr val="818285"/>
+                </a:solidFill>
+                <a:latin typeface="Trebuchet MS" panose="020B0603020202020204"/>
+                <a:cs typeface="Trebuchet MS" panose="020B0603020202020204"/>
+              </a:rPr>
+              <a:t>r</a:t>
+            </a:r>
+            <a:r>
+              <a:rPr sz="2400" spc="-125" dirty="0">
+                <a:solidFill>
+                  <a:srgbClr val="818285"/>
+                </a:solidFill>
+                <a:latin typeface="Trebuchet MS" panose="020B0603020202020204"/>
+                <a:cs typeface="Trebuchet MS" panose="020B0603020202020204"/>
+              </a:rPr>
+              <a:t>a</a:t>
+            </a:r>
+            <a:r>
+              <a:rPr sz="2400" spc="-175" dirty="0">
+                <a:solidFill>
+                  <a:srgbClr val="818285"/>
+                </a:solidFill>
+                <a:latin typeface="Trebuchet MS" panose="020B0603020202020204"/>
+                <a:cs typeface="Trebuchet MS" panose="020B0603020202020204"/>
+              </a:rPr>
+              <a:t>t</a:t>
+            </a:r>
+            <a:r>
               <a:rPr sz="2400" spc="-50" dirty="0">
                 <a:solidFill>
                   <a:srgbClr val="818285"/>
@@ -9696,317 +10109,7 @@
                 <a:latin typeface="Trebuchet MS" panose="020B0603020202020204"/>
                 <a:cs typeface="Trebuchet MS" panose="020B0603020202020204"/>
               </a:rPr>
-              <a:t>d</a:t>
-            </a:r>
-            <a:r>
-              <a:rPr sz="2400" spc="-195" dirty="0">
-                <a:solidFill>
-                  <a:srgbClr val="818285"/>
-                </a:solidFill>
-                <a:latin typeface="Trebuchet MS" panose="020B0603020202020204"/>
-                <a:cs typeface="Trebuchet MS" panose="020B0603020202020204"/>
-              </a:rPr>
-              <a:t> </a:t>
-            </a:r>
-            <a:r>
-              <a:rPr sz="2400" spc="-110" dirty="0">
-                <a:solidFill>
-                  <a:srgbClr val="818285"/>
-                </a:solidFill>
-                <a:latin typeface="Trebuchet MS" panose="020B0603020202020204"/>
-                <a:cs typeface="Trebuchet MS" panose="020B0603020202020204"/>
-              </a:rPr>
-              <a:t>a</a:t>
-            </a:r>
-            <a:r>
-              <a:rPr sz="2400" spc="20" dirty="0">
-                <a:solidFill>
-                  <a:srgbClr val="818285"/>
-                </a:solidFill>
-                <a:latin typeface="Trebuchet MS" panose="020B0603020202020204"/>
-                <a:cs typeface="Trebuchet MS" panose="020B0603020202020204"/>
-              </a:rPr>
-              <a:t>n</a:t>
-            </a:r>
-            <a:r>
-              <a:rPr sz="2400" spc="15" dirty="0">
-                <a:solidFill>
-                  <a:srgbClr val="818285"/>
-                </a:solidFill>
-                <a:latin typeface="Trebuchet MS" panose="020B0603020202020204"/>
-                <a:cs typeface="Trebuchet MS" panose="020B0603020202020204"/>
-              </a:rPr>
-              <a:t>d</a:t>
-            </a:r>
-            <a:r>
-              <a:rPr sz="2400" spc="-195" dirty="0">
-                <a:solidFill>
-                  <a:srgbClr val="818285"/>
-                </a:solidFill>
-                <a:latin typeface="Trebuchet MS" panose="020B0603020202020204"/>
-                <a:cs typeface="Trebuchet MS" panose="020B0603020202020204"/>
-              </a:rPr>
-              <a:t> </a:t>
-            </a:r>
-            <a:r>
-              <a:rPr sz="2400" spc="20" dirty="0">
-                <a:solidFill>
-                  <a:srgbClr val="818285"/>
-                </a:solidFill>
-                <a:latin typeface="Trebuchet MS" panose="020B0603020202020204"/>
-                <a:cs typeface="Trebuchet MS" panose="020B0603020202020204"/>
-              </a:rPr>
-              <a:t>h</a:t>
-            </a:r>
-            <a:r>
-              <a:rPr sz="2400" spc="-135" dirty="0">
-                <a:solidFill>
-                  <a:srgbClr val="818285"/>
-                </a:solidFill>
-                <a:latin typeface="Trebuchet MS" panose="020B0603020202020204"/>
-                <a:cs typeface="Trebuchet MS" panose="020B0603020202020204"/>
-              </a:rPr>
-              <a:t>a</a:t>
-            </a:r>
-            <a:r>
-              <a:rPr sz="2400" spc="-55" dirty="0">
-                <a:solidFill>
-                  <a:srgbClr val="818285"/>
-                </a:solidFill>
-                <a:latin typeface="Trebuchet MS" panose="020B0603020202020204"/>
-                <a:cs typeface="Trebuchet MS" panose="020B0603020202020204"/>
-              </a:rPr>
-              <a:t>v</a:t>
-            </a:r>
-            <a:r>
-              <a:rPr sz="2400" spc="-110" dirty="0">
-                <a:solidFill>
-                  <a:srgbClr val="818285"/>
-                </a:solidFill>
-                <a:latin typeface="Trebuchet MS" panose="020B0603020202020204"/>
-                <a:cs typeface="Trebuchet MS" panose="020B0603020202020204"/>
-              </a:rPr>
-              <a:t>e</a:t>
-            </a:r>
-            <a:r>
-              <a:rPr sz="2400" spc="-200" dirty="0">
-                <a:solidFill>
-                  <a:srgbClr val="818285"/>
-                </a:solidFill>
-                <a:latin typeface="Trebuchet MS" panose="020B0603020202020204"/>
-                <a:cs typeface="Trebuchet MS" panose="020B0603020202020204"/>
-              </a:rPr>
-              <a:t> </a:t>
-            </a:r>
-            <a:r>
-              <a:rPr sz="2400" spc="5" dirty="0">
-                <a:solidFill>
-                  <a:srgbClr val="818285"/>
-                </a:solidFill>
-                <a:latin typeface="Trebuchet MS" panose="020B0603020202020204"/>
-                <a:cs typeface="Trebuchet MS" panose="020B0603020202020204"/>
-              </a:rPr>
-              <a:t>m</a:t>
-            </a:r>
-            <a:r>
-              <a:rPr sz="2400" spc="-120" dirty="0">
-                <a:solidFill>
-                  <a:srgbClr val="818285"/>
-                </a:solidFill>
-                <a:latin typeface="Trebuchet MS" panose="020B0603020202020204"/>
-                <a:cs typeface="Trebuchet MS" panose="020B0603020202020204"/>
-              </a:rPr>
-              <a:t>ult</a:t>
-            </a:r>
-            <a:r>
-              <a:rPr sz="2400" spc="-80" dirty="0">
-                <a:solidFill>
-                  <a:srgbClr val="818285"/>
-                </a:solidFill>
-                <a:latin typeface="Trebuchet MS" panose="020B0603020202020204"/>
-                <a:cs typeface="Trebuchet MS" panose="020B0603020202020204"/>
-              </a:rPr>
-              <a:t>i</a:t>
-            </a:r>
-            <a:r>
-              <a:rPr sz="2400" spc="25" dirty="0">
-                <a:solidFill>
-                  <a:srgbClr val="818285"/>
-                </a:solidFill>
-                <a:latin typeface="Trebuchet MS" panose="020B0603020202020204"/>
-                <a:cs typeface="Trebuchet MS" panose="020B0603020202020204"/>
-              </a:rPr>
-              <a:t>p</a:t>
-            </a:r>
-            <a:r>
-              <a:rPr sz="2400" spc="-95" dirty="0">
-                <a:solidFill>
-                  <a:srgbClr val="818285"/>
-                </a:solidFill>
-                <a:latin typeface="Trebuchet MS" panose="020B0603020202020204"/>
-                <a:cs typeface="Trebuchet MS" panose="020B0603020202020204"/>
-              </a:rPr>
-              <a:t>l</a:t>
-            </a:r>
-            <a:r>
-              <a:rPr sz="2400" spc="-165" dirty="0">
-                <a:solidFill>
-                  <a:srgbClr val="818285"/>
-                </a:solidFill>
-                <a:latin typeface="Trebuchet MS" panose="020B0603020202020204"/>
-                <a:cs typeface="Trebuchet MS" panose="020B0603020202020204"/>
-              </a:rPr>
-              <a:t>e</a:t>
-            </a:r>
-            <a:r>
-              <a:rPr sz="2400" spc="-210" dirty="0">
-                <a:solidFill>
-                  <a:srgbClr val="818285"/>
-                </a:solidFill>
-                <a:latin typeface="Trebuchet MS" panose="020B0603020202020204"/>
-                <a:cs typeface="Trebuchet MS" panose="020B0603020202020204"/>
-              </a:rPr>
-              <a:t> </a:t>
-            </a:r>
-            <a:r>
-              <a:rPr sz="2400" spc="-5" dirty="0">
-                <a:solidFill>
-                  <a:srgbClr val="818285"/>
-                </a:solidFill>
-                <a:latin typeface="Trebuchet MS" panose="020B0603020202020204"/>
-                <a:cs typeface="Trebuchet MS" panose="020B0603020202020204"/>
-              </a:rPr>
-              <a:t>s</a:t>
-            </a:r>
-            <a:r>
-              <a:rPr sz="2400" dirty="0">
-                <a:solidFill>
-                  <a:srgbClr val="818285"/>
-                </a:solidFill>
-                <a:latin typeface="Trebuchet MS" panose="020B0603020202020204"/>
-                <a:cs typeface="Trebuchet MS" panose="020B0603020202020204"/>
-              </a:rPr>
-              <a:t>p</a:t>
-            </a:r>
-            <a:r>
-              <a:rPr sz="2400" spc="-110" dirty="0">
-                <a:solidFill>
-                  <a:srgbClr val="818285"/>
-                </a:solidFill>
-                <a:latin typeface="Trebuchet MS" panose="020B0603020202020204"/>
-                <a:cs typeface="Trebuchet MS" panose="020B0603020202020204"/>
-              </a:rPr>
-              <a:t>a</a:t>
-            </a:r>
-            <a:r>
-              <a:rPr sz="2400" spc="-125" dirty="0">
-                <a:solidFill>
-                  <a:srgbClr val="818285"/>
-                </a:solidFill>
-                <a:latin typeface="Trebuchet MS" panose="020B0603020202020204"/>
-                <a:cs typeface="Trebuchet MS" panose="020B0603020202020204"/>
-              </a:rPr>
-              <a:t>c</a:t>
-            </a:r>
-            <a:r>
-              <a:rPr sz="2400" spc="-45" dirty="0">
-                <a:solidFill>
-                  <a:srgbClr val="818285"/>
-                </a:solidFill>
-                <a:latin typeface="Trebuchet MS" panose="020B0603020202020204"/>
-                <a:cs typeface="Trebuchet MS" panose="020B0603020202020204"/>
-              </a:rPr>
-              <a:t>e</a:t>
-            </a:r>
-            <a:r>
-              <a:rPr sz="2400" spc="-150" dirty="0">
-                <a:solidFill>
-                  <a:srgbClr val="818285"/>
-                </a:solidFill>
-                <a:latin typeface="Trebuchet MS" panose="020B0603020202020204"/>
-                <a:cs typeface="Trebuchet MS" panose="020B0603020202020204"/>
-              </a:rPr>
-              <a:t>-</a:t>
-            </a:r>
-            <a:r>
-              <a:rPr sz="2400" spc="-40" dirty="0">
-                <a:solidFill>
-                  <a:srgbClr val="818285"/>
-                </a:solidFill>
-                <a:latin typeface="Trebuchet MS" panose="020B0603020202020204"/>
-                <a:cs typeface="Trebuchet MS" panose="020B0603020202020204"/>
-              </a:rPr>
-              <a:t>se</a:t>
-            </a:r>
-            <a:r>
-              <a:rPr sz="2400" spc="-40" dirty="0">
-                <a:solidFill>
-                  <a:srgbClr val="818285"/>
-                </a:solidFill>
-                <a:latin typeface="Trebuchet MS" panose="020B0603020202020204"/>
-                <a:cs typeface="Trebuchet MS" panose="020B0603020202020204"/>
-              </a:rPr>
-              <a:t>p</a:t>
-            </a:r>
-            <a:r>
-              <a:rPr sz="2400" spc="-110" dirty="0">
-                <a:solidFill>
-                  <a:srgbClr val="818285"/>
-                </a:solidFill>
-                <a:latin typeface="Trebuchet MS" panose="020B0603020202020204"/>
-                <a:cs typeface="Trebuchet MS" panose="020B0603020202020204"/>
-              </a:rPr>
-              <a:t>a</a:t>
-            </a:r>
-            <a:r>
-              <a:rPr sz="2400" spc="-170" dirty="0">
-                <a:solidFill>
-                  <a:srgbClr val="818285"/>
-                </a:solidFill>
-                <a:latin typeface="Trebuchet MS" panose="020B0603020202020204"/>
-                <a:cs typeface="Trebuchet MS" panose="020B0603020202020204"/>
-              </a:rPr>
-              <a:t>r</a:t>
-            </a:r>
-            <a:r>
-              <a:rPr sz="2400" spc="-125" dirty="0">
-                <a:solidFill>
-                  <a:srgbClr val="818285"/>
-                </a:solidFill>
-                <a:latin typeface="Trebuchet MS" panose="020B0603020202020204"/>
-                <a:cs typeface="Trebuchet MS" panose="020B0603020202020204"/>
-              </a:rPr>
-              <a:t>a</a:t>
-            </a:r>
-            <a:r>
-              <a:rPr sz="2400" spc="-175" dirty="0">
-                <a:solidFill>
-                  <a:srgbClr val="818285"/>
-                </a:solidFill>
-                <a:latin typeface="Trebuchet MS" panose="020B0603020202020204"/>
-                <a:cs typeface="Trebuchet MS" panose="020B0603020202020204"/>
-              </a:rPr>
-              <a:t>t</a:t>
-            </a:r>
-            <a:r>
-              <a:rPr sz="2400" spc="-50" dirty="0">
-                <a:solidFill>
-                  <a:srgbClr val="818285"/>
-                </a:solidFill>
-                <a:latin typeface="Trebuchet MS" panose="020B0603020202020204"/>
-                <a:cs typeface="Trebuchet MS" panose="020B0603020202020204"/>
-              </a:rPr>
-              <a:t>e</a:t>
-            </a:r>
-            <a:r>
-              <a:rPr sz="2400" spc="-50" dirty="0">
-                <a:solidFill>
-                  <a:srgbClr val="818285"/>
-                </a:solidFill>
-                <a:latin typeface="Trebuchet MS" panose="020B0603020202020204"/>
-                <a:cs typeface="Trebuchet MS" panose="020B0603020202020204"/>
-              </a:rPr>
-              <a:t>d</a:t>
+              <a:t>ed</a:t>
             </a:r>
             <a:r>
               <a:rPr sz="2400" spc="-185" dirty="0">
@@ -10143,9 +10246,11 @@
         <p:spPr/>
         <p:txBody>
           <a:bodyPr/>
+          <a:lstStyle/>
           <a:p>
             <a:fld id="{B6F15528-21DE-4FAA-801E-634DDDAF4B2B}" type="slidenum">
               <a:rPr/>
+              <a:t>7</a:t>
             </a:fld>
             <a:endParaRPr/>
           </a:p>
@@ -10247,7 +10352,9 @@
           <p:txBody>
             <a:bodyPr wrap="square" lIns="0" tIns="0" rIns="0" bIns="0" rtlCol="0"/>
             <a:lstStyle/>
-            <a:p/>
+            <a:p>
+              <a:endParaRPr/>
+            </a:p>
           </p:txBody>
         </p:sp>
         <p:sp>
@@ -10306,7 +10413,9 @@
           <p:txBody>
             <a:bodyPr wrap="square" lIns="0" tIns="0" rIns="0" bIns="0" rtlCol="0"/>
             <a:lstStyle/>
-            <a:p/>
+            <a:p>
+              <a:endParaRPr/>
+            </a:p>
           </p:txBody>
         </p:sp>
       </p:grpSp>
@@ -10317,7 +10426,7 @@
           <p:nvPr/>
         </p:nvPicPr>
         <p:blipFill>
-          <a:blip r:embed="rId1" cstate="print"/>
+          <a:blip r:embed="rId3" cstate="print"/>
           <a:stretch>
             <a:fillRect/>
           </a:stretch>
@@ -11611,9 +11720,11 @@
         <p:spPr/>
         <p:txBody>
           <a:bodyPr/>
+          <a:lstStyle/>
           <a:p>
             <a:fld id="{B6F15528-21DE-4FAA-801E-634DDDAF4B2B}" type="slidenum">
               <a:rPr/>
+              <a:t>8</a:t>
             </a:fld>
             <a:endParaRPr/>
           </a:p>
@@ -11688,7 +11799,6 @@
               <a:rPr spc="45" dirty="0"/>
               <a:t>mo</a:t>
             </a:r>
-            <a:endParaRPr spc="45" dirty="0"/>
           </a:p>
           <a:p>
             <a:pPr marL="452120">
@@ -11708,14 +11818,7 @@
                 <a:latin typeface="Trebuchet MS" panose="020B0603020202020204"/>
                 <a:cs typeface="Trebuchet MS" panose="020B0603020202020204"/>
               </a:rPr>
-              <a:t>ss</a:t>
-            </a:r>
-            <a:r>
-              <a:rPr sz="3200" i="1" spc="-105" dirty="0">
-                <a:latin typeface="Trebuchet MS" panose="020B0603020202020204"/>
-                <a:cs typeface="Trebuchet MS" panose="020B0603020202020204"/>
-              </a:rPr>
-              <a:t>3</a:t>
+              <a:t>ss3</a:t>
             </a:r>
             <a:r>
               <a:rPr sz="3200" i="1" spc="-420" dirty="0">
@@ -11800,9 +11903,11 @@
         <p:spPr/>
         <p:txBody>
           <a:bodyPr/>
+          <a:lstStyle/>
           <a:p>
             <a:fld id="{B6F15528-21DE-4FAA-801E-634DDDAF4B2B}" type="slidenum">
               <a:rPr/>
+              <a:t>9</a:t>
             </a:fld>
             <a:endParaRPr/>
           </a:p>
@@ -12097,6 +12202,8 @@
       </a:bgFillStyleLst>
     </a:fmtScheme>
   </a:themeElements>
+  <a:objectDefaults/>
+  <a:extraClrSchemeLst/>
   <a:extLst>
     <a:ext uri="{05A4C25C-085E-4340-85A3-A5531E510DB2}">
       <thm15:themeFamily xmlns:thm15="http://schemas.microsoft.com/office/thememl/2012/main" name="Office Theme" id="{62F939B6-93AF-4DB8-9C6B-D6C7DFDC589F}" vid="{4A3C46E8-61CC-4603-A589-7422A47A8E4A}"/>
@@ -12356,6 +12463,8 @@
       </a:bgFillStyleLst>
     </a:fmtScheme>
   </a:themeElements>
+  <a:objectDefaults/>
+  <a:extraClrSchemeLst/>
   <a:extLst>
     <a:ext uri="{05A4C25C-085E-4340-85A3-A5531E510DB2}">
       <thm15:themeFamily xmlns:thm15="http://schemas.microsoft.com/office/thememl/2012/main" name="Office Theme" id="{62F939B6-93AF-4DB8-9C6B-D6C7DFDC589F}" vid="{4A3C46E8-61CC-4603-A589-7422A47A8E4A}"/>
